--- a/slides/2020/02/2020-02-19-MPI-Standard-Public.pptx
+++ b/slides/2020/02/2020-02-19-MPI-Standard-Public.pptx
@@ -113,7 +113,56 @@
       </a:defRPr>
     </a:lvl9pPr>
   </p:defaultTextStyle>
+  <p:extLst>
+    <p:ext uri="{EFAFB233-063F-42B5-8137-9DF3F51BA10A}">
+      <p15:sldGuideLst xmlns:p15="http://schemas.microsoft.com/office/powerpoint/2012/main"/>
+    </p:ext>
+  </p:extLst>
 </p:presentation>
+</file>
+
+<file path=ppt/changesInfos/changesInfo1.xml><?xml version="1.0" encoding="utf-8"?>
+<pc:chgInfo xmlns:a="http://schemas.openxmlformats.org/drawingml/2006/main" xmlns:r="http://schemas.openxmlformats.org/officeDocument/2006/relationships" xmlns:ac="http://schemas.microsoft.com/office/drawing/2013/main/command" xmlns:pc="http://schemas.microsoft.com/office/powerpoint/2013/main/command">
+  <pc:docChgLst>
+    <pc:chgData name="Bland, Wesley" userId="686aea4a-ab1e-49b5-baeb-1fa603ab0a3e" providerId="ADAL" clId="{E8082367-C10C-7342-BCF7-BFE1E6DCAE5F}"/>
+    <pc:docChg chg="modSld">
+      <pc:chgData name="Bland, Wesley" userId="686aea4a-ab1e-49b5-baeb-1fa603ab0a3e" providerId="ADAL" clId="{E8082367-C10C-7342-BCF7-BFE1E6DCAE5F}" dt="2020-02-03T15:36:02.039" v="6" actId="20577"/>
+      <pc:docMkLst>
+        <pc:docMk/>
+      </pc:docMkLst>
+      <pc:sldChg chg="modSp">
+        <pc:chgData name="Bland, Wesley" userId="686aea4a-ab1e-49b5-baeb-1fa603ab0a3e" providerId="ADAL" clId="{E8082367-C10C-7342-BCF7-BFE1E6DCAE5F}" dt="2020-02-03T15:35:43.850" v="0" actId="20577"/>
+        <pc:sldMkLst>
+          <pc:docMk/>
+          <pc:sldMk cId="2614406981" sldId="259"/>
+        </pc:sldMkLst>
+        <pc:spChg chg="mod">
+          <ac:chgData name="Bland, Wesley" userId="686aea4a-ab1e-49b5-baeb-1fa603ab0a3e" providerId="ADAL" clId="{E8082367-C10C-7342-BCF7-BFE1E6DCAE5F}" dt="2020-02-03T15:35:43.850" v="0" actId="20577"/>
+          <ac:spMkLst>
+            <pc:docMk/>
+            <pc:sldMk cId="2614406981" sldId="259"/>
+            <ac:spMk id="3" creationId="{05BF236B-0CE0-8B40-994E-4296E47F752F}"/>
+          </ac:spMkLst>
+        </pc:spChg>
+      </pc:sldChg>
+      <pc:sldChg chg="modSp">
+        <pc:chgData name="Bland, Wesley" userId="686aea4a-ab1e-49b5-baeb-1fa603ab0a3e" providerId="ADAL" clId="{E8082367-C10C-7342-BCF7-BFE1E6DCAE5F}" dt="2020-02-03T15:36:02.039" v="6" actId="20577"/>
+        <pc:sldMkLst>
+          <pc:docMk/>
+          <pc:sldMk cId="1861244225" sldId="260"/>
+        </pc:sldMkLst>
+        <pc:spChg chg="mod">
+          <ac:chgData name="Bland, Wesley" userId="686aea4a-ab1e-49b5-baeb-1fa603ab0a3e" providerId="ADAL" clId="{E8082367-C10C-7342-BCF7-BFE1E6DCAE5F}" dt="2020-02-03T15:36:02.039" v="6" actId="20577"/>
+          <ac:spMkLst>
+            <pc:docMk/>
+            <pc:sldMk cId="1861244225" sldId="260"/>
+            <ac:spMk id="3" creationId="{4AEC789A-0383-0B46-8400-DABA78C2002E}"/>
+          </ac:spMkLst>
+        </pc:spChg>
+      </pc:sldChg>
+    </pc:docChg>
+  </pc:docChgLst>
+</pc:chgInfo>
 </file>
 
 <file path=ppt/notesMasters/notesMaster1.xml><?xml version="1.0" encoding="utf-8"?>
@@ -198,7 +247,7 @@
           <a:p>
             <a:fld id="{A756A412-7D46-1340-96B2-7E4C2E233014}" type="datetimeFigureOut">
               <a:rPr lang="en-US" smtClean="0"/>
-              <a:t>1/29/20</a:t>
+              <a:t>2/3/20</a:t>
             </a:fld>
             <a:endParaRPr lang="en-US"/>
           </a:p>
@@ -711,7 +760,7 @@
           <a:p>
             <a:fld id="{32D29ED5-F129-4942-B347-9B23E6E01854}" type="datetimeFigureOut">
               <a:rPr lang="en-US" smtClean="0"/>
-              <a:t>1/29/20</a:t>
+              <a:t>2/3/20</a:t>
             </a:fld>
             <a:endParaRPr lang="en-US"/>
           </a:p>
@@ -909,7 +958,7 @@
           <a:p>
             <a:fld id="{32D29ED5-F129-4942-B347-9B23E6E01854}" type="datetimeFigureOut">
               <a:rPr lang="en-US" smtClean="0"/>
-              <a:t>1/29/20</a:t>
+              <a:t>2/3/20</a:t>
             </a:fld>
             <a:endParaRPr lang="en-US"/>
           </a:p>
@@ -1117,7 +1166,7 @@
           <a:p>
             <a:fld id="{32D29ED5-F129-4942-B347-9B23E6E01854}" type="datetimeFigureOut">
               <a:rPr lang="en-US" smtClean="0"/>
-              <a:t>1/29/20</a:t>
+              <a:t>2/3/20</a:t>
             </a:fld>
             <a:endParaRPr lang="en-US"/>
           </a:p>
@@ -1315,7 +1364,7 @@
           <a:p>
             <a:fld id="{32D29ED5-F129-4942-B347-9B23E6E01854}" type="datetimeFigureOut">
               <a:rPr lang="en-US" smtClean="0"/>
-              <a:t>1/29/20</a:t>
+              <a:t>2/3/20</a:t>
             </a:fld>
             <a:endParaRPr lang="en-US"/>
           </a:p>
@@ -1590,7 +1639,7 @@
           <a:p>
             <a:fld id="{32D29ED5-F129-4942-B347-9B23E6E01854}" type="datetimeFigureOut">
               <a:rPr lang="en-US" smtClean="0"/>
-              <a:t>1/29/20</a:t>
+              <a:t>2/3/20</a:t>
             </a:fld>
             <a:endParaRPr lang="en-US"/>
           </a:p>
@@ -1855,7 +1904,7 @@
           <a:p>
             <a:fld id="{32D29ED5-F129-4942-B347-9B23E6E01854}" type="datetimeFigureOut">
               <a:rPr lang="en-US" smtClean="0"/>
-              <a:t>1/29/20</a:t>
+              <a:t>2/3/20</a:t>
             </a:fld>
             <a:endParaRPr lang="en-US"/>
           </a:p>
@@ -2267,7 +2316,7 @@
           <a:p>
             <a:fld id="{32D29ED5-F129-4942-B347-9B23E6E01854}" type="datetimeFigureOut">
               <a:rPr lang="en-US" smtClean="0"/>
-              <a:t>1/29/20</a:t>
+              <a:t>2/3/20</a:t>
             </a:fld>
             <a:endParaRPr lang="en-US"/>
           </a:p>
@@ -2408,7 +2457,7 @@
           <a:p>
             <a:fld id="{32D29ED5-F129-4942-B347-9B23E6E01854}" type="datetimeFigureOut">
               <a:rPr lang="en-US" smtClean="0"/>
-              <a:t>1/29/20</a:t>
+              <a:t>2/3/20</a:t>
             </a:fld>
             <a:endParaRPr lang="en-US"/>
           </a:p>
@@ -2521,7 +2570,7 @@
           <a:p>
             <a:fld id="{32D29ED5-F129-4942-B347-9B23E6E01854}" type="datetimeFigureOut">
               <a:rPr lang="en-US" smtClean="0"/>
-              <a:t>1/29/20</a:t>
+              <a:t>2/3/20</a:t>
             </a:fld>
             <a:endParaRPr lang="en-US"/>
           </a:p>
@@ -2832,7 +2881,7 @@
           <a:p>
             <a:fld id="{32D29ED5-F129-4942-B347-9B23E6E01854}" type="datetimeFigureOut">
               <a:rPr lang="en-US" smtClean="0"/>
-              <a:t>1/29/20</a:t>
+              <a:t>2/3/20</a:t>
             </a:fld>
             <a:endParaRPr lang="en-US"/>
           </a:p>
@@ -3120,7 +3169,7 @@
           <a:p>
             <a:fld id="{32D29ED5-F129-4942-B347-9B23E6E01854}" type="datetimeFigureOut">
               <a:rPr lang="en-US" smtClean="0"/>
-              <a:t>1/29/20</a:t>
+              <a:t>2/3/20</a:t>
             </a:fld>
             <a:endParaRPr lang="en-US"/>
           </a:p>
@@ -3361,7 +3410,7 @@
           <a:p>
             <a:fld id="{32D29ED5-F129-4942-B347-9B23E6E01854}" type="datetimeFigureOut">
               <a:rPr lang="en-US" smtClean="0"/>
-              <a:t>1/29/20</a:t>
+              <a:t>2/3/20</a:t>
             </a:fld>
             <a:endParaRPr lang="en-US"/>
           </a:p>
@@ -4215,7 +4264,7 @@
           <a:p>
             <a:r>
               <a:rPr lang="en-US" dirty="0"/>
-              <a:t>They will also need to recreate pull requests (but not issues).</a:t>
+              <a:t>They will also need to re-create pull requests (but not issues).</a:t>
             </a:r>
           </a:p>
         </p:txBody>
@@ -4349,7 +4398,7 @@
           <a:p>
             <a:r>
               <a:rPr lang="en-US" dirty="0"/>
-              <a:t>I’ll make detailed documentation.</a:t>
+              <a:t>I’ve made detailed documentation.</a:t>
             </a:r>
           </a:p>
         </p:txBody>
